--- a/作業/2023_06_06-債務報告/房地產泡沫.pptx
+++ b/作業/2023_06_06-債務報告/房地產泡沫.pptx
@@ -115,6 +115,11 @@
       </a:defRPr>
     </a:lvl9pPr>
   </p:defaultTextStyle>
+  <p:extLst>
+    <p:ext uri="{EFAFB233-063F-42B5-8137-9DF3F51BA10A}">
+      <p15:sldGuideLst xmlns:p15="http://schemas.microsoft.com/office/powerpoint/2012/main"/>
+    </p:ext>
+  </p:extLst>
 </p:presentation>
 </file>
 
@@ -200,7 +205,7 @@
           <a:p>
             <a:fld id="{AC06A795-5E2A-41FA-9B4A-93AE3E5E4926}" type="datetimeFigureOut">
               <a:rPr lang="en-US" smtClean="0"/>
-              <a:t>6/6/2023</a:t>
+              <a:t>6/7/2023</a:t>
             </a:fld>
             <a:endParaRPr lang="en-US"/>
           </a:p>
@@ -511,6 +516,32 @@
           <a:bodyPr/>
           <a:lstStyle/>
           <a:p>
+            <a:r>
+              <a:rPr lang="zh-CN" altLang="en-US" dirty="0"/>
+              <a:t>正</a:t>
+            </a:r>
+            <a:r>
+              <a:rPr lang="en-US" altLang="zh-CN" dirty="0"/>
+              <a:t>/</a:t>
+            </a:r>
+            <a:r>
+              <a:rPr lang="zh-CN" altLang="en-US" dirty="0"/>
+              <a:t>負</a:t>
+            </a:r>
+            <a:endParaRPr lang="en-US" altLang="zh-CN" dirty="0"/>
+          </a:p>
+          <a:p>
+            <a:r>
+              <a:rPr lang="zh-CN" altLang="en-US" dirty="0"/>
+              <a:t>資產</a:t>
+            </a:r>
+            <a:endParaRPr lang="en-US" altLang="zh-CN" dirty="0"/>
+          </a:p>
+          <a:p>
+            <a:r>
+              <a:rPr lang="zh-CN" altLang="en-US" dirty="0"/>
+              <a:t>百萬</a:t>
+            </a:r>
             <a:endParaRPr lang="en-US" dirty="0"/>
           </a:p>
         </p:txBody>
@@ -596,8 +627,26 @@
           <a:lstStyle/>
           <a:p>
             <a:r>
+              <a:rPr lang="en-US" altLang="zh-TW" dirty="0"/>
+              <a:t>19 </a:t>
+            </a:r>
+            <a:r>
+              <a:rPr lang="zh-TW" altLang="en-US" dirty="0"/>
+              <a:t>世紀後期，中國經歷了巨大的經濟繁榮</a:t>
+            </a:r>
+            <a:endParaRPr lang="en-US" altLang="zh-TW" dirty="0"/>
+          </a:p>
+          <a:p>
+            <a:r>
               <a:rPr lang="zh-CN" altLang="en-US" dirty="0"/>
-              <a:t>受過教育的</a:t>
+              <a:t>突然漲價</a:t>
+            </a:r>
+            <a:endParaRPr lang="en-US" altLang="zh-CN" dirty="0"/>
+          </a:p>
+          <a:p>
+            <a:r>
+              <a:rPr lang="zh-TW" altLang="en-US"/>
+              <a:t>這導致價格進一步上漲</a:t>
             </a:r>
             <a:endParaRPr lang="en-US" dirty="0"/>
           </a:p>
@@ -694,6 +743,21 @@
               <a:rPr lang="zh-TW" altLang="en-US" dirty="0"/>
               <a:t>政府隨時可以乾預</a:t>
             </a:r>
+            <a:endParaRPr lang="en-US" altLang="zh-TW" dirty="0"/>
+          </a:p>
+          <a:p>
+            <a:r>
+              <a:rPr lang="zh-TW" altLang="en-US" dirty="0"/>
+              <a:t>您不應將超過工資的 </a:t>
+            </a:r>
+            <a:r>
+              <a:rPr lang="en-US" altLang="zh-TW" dirty="0"/>
+              <a:t>20% </a:t>
+            </a:r>
+            <a:r>
+              <a:rPr lang="zh-TW" altLang="en-US" dirty="0"/>
+              <a:t>用於抵押貸款</a:t>
+            </a:r>
             <a:endParaRPr lang="en-US" dirty="0"/>
           </a:p>
         </p:txBody>
@@ -913,6 +977,114 @@
               </a:rPr>
               <a:t>中央政府只支付了一小部分。 各省必須支付大部分</a:t>
             </a:r>
+            <a:endParaRPr lang="en-US" altLang="zh-TW" b="0" dirty="0">
+              <a:solidFill>
+                <a:srgbClr val="CCCCCC"/>
+              </a:solidFill>
+              <a:effectLst/>
+              <a:latin typeface="Consolas" panose="020B0609020204030204" pitchFamily="49" charset="0"/>
+            </a:endParaRPr>
+          </a:p>
+          <a:p>
+            <a:pPr marL="171450" marR="0" lvl="0" indent="-171450" algn="l" defTabSz="914400" rtl="0" eaLnBrk="1" fontAlgn="auto" latinLnBrk="0" hangingPunct="1">
+              <a:lnSpc>
+                <a:spcPct val="100000"/>
+              </a:lnSpc>
+              <a:spcBef>
+                <a:spcPts val="0"/>
+              </a:spcBef>
+              <a:spcAft>
+                <a:spcPts val="0"/>
+              </a:spcAft>
+              <a:buClrTx/>
+              <a:buSzTx/>
+              <a:buFontTx/>
+              <a:buChar char="-"/>
+              <a:tabLst/>
+              <a:defRPr/>
+            </a:pPr>
+            <a:r>
+              <a:rPr lang="zh-TW" altLang="en-US" b="0" dirty="0">
+                <a:solidFill>
+                  <a:srgbClr val="CCCCCC"/>
+                </a:solidFill>
+                <a:effectLst/>
+                <a:latin typeface="Consolas" panose="020B0609020204030204" pitchFamily="49" charset="0"/>
+              </a:rPr>
+              <a:t>幻燈片上有統計數據</a:t>
+            </a:r>
+            <a:endParaRPr lang="en-US" altLang="zh-TW" b="0" dirty="0">
+              <a:solidFill>
+                <a:srgbClr val="CCCCCC"/>
+              </a:solidFill>
+              <a:effectLst/>
+              <a:latin typeface="Consolas" panose="020B0609020204030204" pitchFamily="49" charset="0"/>
+            </a:endParaRPr>
+          </a:p>
+          <a:p>
+            <a:pPr marL="171450" marR="0" lvl="0" indent="-171450" algn="l" defTabSz="914400" rtl="0" eaLnBrk="1" fontAlgn="auto" latinLnBrk="0" hangingPunct="1">
+              <a:lnSpc>
+                <a:spcPct val="100000"/>
+              </a:lnSpc>
+              <a:spcBef>
+                <a:spcPts val="0"/>
+              </a:spcBef>
+              <a:spcAft>
+                <a:spcPts val="0"/>
+              </a:spcAft>
+              <a:buClrTx/>
+              <a:buSzTx/>
+              <a:buFontTx/>
+              <a:buChar char="-"/>
+              <a:tabLst/>
+              <a:defRPr/>
+            </a:pPr>
+            <a:r>
+              <a:rPr lang="zh-TW" altLang="en-US" b="0" dirty="0">
+                <a:solidFill>
+                  <a:srgbClr val="CCCCCC"/>
+                </a:solidFill>
+                <a:effectLst/>
+                <a:latin typeface="Consolas" panose="020B0609020204030204" pitchFamily="49" charset="0"/>
+              </a:rPr>
+              <a:t>為了避免經濟衰退</a:t>
+            </a:r>
+            <a:endParaRPr lang="en-US" altLang="zh-TW" b="0" dirty="0">
+              <a:solidFill>
+                <a:srgbClr val="CCCCCC"/>
+              </a:solidFill>
+              <a:effectLst/>
+              <a:latin typeface="Consolas" panose="020B0609020204030204" pitchFamily="49" charset="0"/>
+            </a:endParaRPr>
+          </a:p>
+          <a:p>
+            <a:pPr marL="171450" marR="0" lvl="0" indent="-171450" algn="l" defTabSz="914400" rtl="0" eaLnBrk="1" fontAlgn="auto" latinLnBrk="0" hangingPunct="1">
+              <a:lnSpc>
+                <a:spcPct val="100000"/>
+              </a:lnSpc>
+              <a:spcBef>
+                <a:spcPts val="0"/>
+              </a:spcBef>
+              <a:spcAft>
+                <a:spcPts val="0"/>
+              </a:spcAft>
+              <a:buClrTx/>
+              <a:buSzTx/>
+              <a:buFontTx/>
+              <a:buChar char="-"/>
+              <a:tabLst/>
+              <a:defRPr/>
+            </a:pPr>
+            <a:r>
+              <a:rPr lang="zh-TW" altLang="en-US" b="0" dirty="0">
+                <a:solidFill>
+                  <a:srgbClr val="CCCCCC"/>
+                </a:solidFill>
+                <a:effectLst/>
+                <a:latin typeface="Consolas" panose="020B0609020204030204" pitchFamily="49" charset="0"/>
+              </a:rPr>
+              <a:t>他們沒有收錢</a:t>
+            </a:r>
           </a:p>
         </p:txBody>
       </p:sp>
@@ -943,6 +1115,208 @@
     <p:extLst>
       <p:ext uri="{BB962C8B-B14F-4D97-AF65-F5344CB8AC3E}">
         <p14:creationId xmlns:p14="http://schemas.microsoft.com/office/powerpoint/2010/main" val="2051059181"/>
+      </p:ext>
+    </p:extLst>
+  </p:cSld>
+  <p:clrMapOvr>
+    <a:masterClrMapping/>
+  </p:clrMapOvr>
+</p:notes>
+</file>
+
+<file path=ppt/notesSlides/notesSlide5.xml><?xml version="1.0" encoding="utf-8"?>
+<p:notes xmlns:a="http://schemas.openxmlformats.org/drawingml/2006/main" xmlns:r="http://schemas.openxmlformats.org/officeDocument/2006/relationships" xmlns:p="http://schemas.openxmlformats.org/presentationml/2006/main">
+  <p:cSld>
+    <p:spTree>
+      <p:nvGrpSpPr>
+        <p:cNvPr id="1" name=""/>
+        <p:cNvGrpSpPr/>
+        <p:nvPr/>
+      </p:nvGrpSpPr>
+      <p:grpSpPr>
+        <a:xfrm>
+          <a:off x="0" y="0"/>
+          <a:ext cx="0" cy="0"/>
+          <a:chOff x="0" y="0"/>
+          <a:chExt cx="0" cy="0"/>
+        </a:xfrm>
+      </p:grpSpPr>
+      <p:sp>
+        <p:nvSpPr>
+          <p:cNvPr id="2" name="Slide Image Placeholder 1"/>
+          <p:cNvSpPr>
+            <a:spLocks noGrp="1" noRot="1" noChangeAspect="1"/>
+          </p:cNvSpPr>
+          <p:nvPr>
+            <p:ph type="sldImg"/>
+          </p:nvPr>
+        </p:nvSpPr>
+        <p:spPr/>
+      </p:sp>
+      <p:sp>
+        <p:nvSpPr>
+          <p:cNvPr id="3" name="Notes Placeholder 2"/>
+          <p:cNvSpPr>
+            <a:spLocks noGrp="1"/>
+          </p:cNvSpPr>
+          <p:nvPr>
+            <p:ph type="body" idx="1"/>
+          </p:nvPr>
+        </p:nvSpPr>
+        <p:spPr/>
+        <p:txBody>
+          <a:bodyPr/>
+          <a:lstStyle/>
+          <a:p>
+            <a:pPr marL="171450" indent="-171450">
+              <a:buFontTx/>
+              <a:buChar char="-"/>
+            </a:pPr>
+            <a:r>
+              <a:rPr lang="zh-TW" altLang="en-US" dirty="0"/>
+              <a:t>你可以在圖表上看到</a:t>
+            </a:r>
+            <a:endParaRPr lang="en-US" altLang="zh-TW" dirty="0"/>
+          </a:p>
+          <a:p>
+            <a:pPr marL="171450" indent="-171450">
+              <a:buFontTx/>
+              <a:buChar char="-"/>
+            </a:pPr>
+            <a:r>
+              <a:rPr lang="en-US" altLang="zh-CN" dirty="0"/>
+              <a:t>80</a:t>
+            </a:r>
+            <a:r>
+              <a:rPr lang="zh-CN" altLang="en-US" dirty="0"/>
+              <a:t>億</a:t>
+            </a:r>
+            <a:endParaRPr lang="en-US" dirty="0"/>
+          </a:p>
+        </p:txBody>
+      </p:sp>
+      <p:sp>
+        <p:nvSpPr>
+          <p:cNvPr id="4" name="Slide Number Placeholder 3"/>
+          <p:cNvSpPr>
+            <a:spLocks noGrp="1"/>
+          </p:cNvSpPr>
+          <p:nvPr>
+            <p:ph type="sldNum" sz="quarter" idx="5"/>
+          </p:nvPr>
+        </p:nvSpPr>
+        <p:spPr/>
+        <p:txBody>
+          <a:bodyPr/>
+          <a:lstStyle/>
+          <a:p>
+            <a:fld id="{9069310D-5D73-449A-9BB1-A7A30B62B63F}" type="slidenum">
+              <a:rPr lang="en-US" smtClean="0"/>
+              <a:t>6</a:t>
+            </a:fld>
+            <a:endParaRPr lang="en-US"/>
+          </a:p>
+        </p:txBody>
+      </p:sp>
+    </p:spTree>
+    <p:extLst>
+      <p:ext uri="{BB962C8B-B14F-4D97-AF65-F5344CB8AC3E}">
+        <p14:creationId xmlns:p14="http://schemas.microsoft.com/office/powerpoint/2010/main" val="2465631096"/>
+      </p:ext>
+    </p:extLst>
+  </p:cSld>
+  <p:clrMapOvr>
+    <a:masterClrMapping/>
+  </p:clrMapOvr>
+</p:notes>
+</file>
+
+<file path=ppt/notesSlides/notesSlide6.xml><?xml version="1.0" encoding="utf-8"?>
+<p:notes xmlns:a="http://schemas.openxmlformats.org/drawingml/2006/main" xmlns:r="http://schemas.openxmlformats.org/officeDocument/2006/relationships" xmlns:p="http://schemas.openxmlformats.org/presentationml/2006/main">
+  <p:cSld>
+    <p:spTree>
+      <p:nvGrpSpPr>
+        <p:cNvPr id="1" name=""/>
+        <p:cNvGrpSpPr/>
+        <p:nvPr/>
+      </p:nvGrpSpPr>
+      <p:grpSpPr>
+        <a:xfrm>
+          <a:off x="0" y="0"/>
+          <a:ext cx="0" cy="0"/>
+          <a:chOff x="0" y="0"/>
+          <a:chExt cx="0" cy="0"/>
+        </a:xfrm>
+      </p:grpSpPr>
+      <p:sp>
+        <p:nvSpPr>
+          <p:cNvPr id="2" name="Slide Image Placeholder 1"/>
+          <p:cNvSpPr>
+            <a:spLocks noGrp="1" noRot="1" noChangeAspect="1"/>
+          </p:cNvSpPr>
+          <p:nvPr>
+            <p:ph type="sldImg"/>
+          </p:nvPr>
+        </p:nvSpPr>
+        <p:spPr/>
+      </p:sp>
+      <p:sp>
+        <p:nvSpPr>
+          <p:cNvPr id="3" name="Notes Placeholder 2"/>
+          <p:cNvSpPr>
+            <a:spLocks noGrp="1"/>
+          </p:cNvSpPr>
+          <p:nvPr>
+            <p:ph type="body" idx="1"/>
+          </p:nvPr>
+        </p:nvSpPr>
+        <p:spPr/>
+        <p:txBody>
+          <a:bodyPr/>
+          <a:lstStyle/>
+          <a:p>
+            <a:r>
+              <a:rPr lang="zh-CN" altLang="en-US" dirty="0"/>
+              <a:t>終於</a:t>
+            </a:r>
+            <a:endParaRPr lang="en-US" altLang="zh-CN" dirty="0"/>
+          </a:p>
+          <a:p>
+            <a:r>
+              <a:rPr lang="zh-CN" altLang="en-US" dirty="0"/>
+              <a:t>膨脹</a:t>
+            </a:r>
+            <a:endParaRPr lang="en-US" dirty="0"/>
+          </a:p>
+        </p:txBody>
+      </p:sp>
+      <p:sp>
+        <p:nvSpPr>
+          <p:cNvPr id="4" name="Slide Number Placeholder 3"/>
+          <p:cNvSpPr>
+            <a:spLocks noGrp="1"/>
+          </p:cNvSpPr>
+          <p:nvPr>
+            <p:ph type="sldNum" sz="quarter" idx="5"/>
+          </p:nvPr>
+        </p:nvSpPr>
+        <p:spPr/>
+        <p:txBody>
+          <a:bodyPr/>
+          <a:lstStyle/>
+          <a:p>
+            <a:fld id="{9069310D-5D73-449A-9BB1-A7A30B62B63F}" type="slidenum">
+              <a:rPr lang="en-US" smtClean="0"/>
+              <a:t>7</a:t>
+            </a:fld>
+            <a:endParaRPr lang="en-US"/>
+          </a:p>
+        </p:txBody>
+      </p:sp>
+    </p:spTree>
+    <p:extLst>
+      <p:ext uri="{BB962C8B-B14F-4D97-AF65-F5344CB8AC3E}">
+        <p14:creationId xmlns:p14="http://schemas.microsoft.com/office/powerpoint/2010/main" val="3722812066"/>
       </p:ext>
     </p:extLst>
   </p:cSld>
@@ -1099,7 +1473,7 @@
           <a:p>
             <a:fld id="{C878B3E6-9FB3-4A1D-8FFE-D580B83AEEBC}" type="datetimeFigureOut">
               <a:rPr lang="en-US" smtClean="0"/>
-              <a:t>6/6/2023</a:t>
+              <a:t>6/7/2023</a:t>
             </a:fld>
             <a:endParaRPr lang="en-US"/>
           </a:p>
@@ -1297,7 +1671,7 @@
           <a:p>
             <a:fld id="{C878B3E6-9FB3-4A1D-8FFE-D580B83AEEBC}" type="datetimeFigureOut">
               <a:rPr lang="en-US" smtClean="0"/>
-              <a:t>6/6/2023</a:t>
+              <a:t>6/7/2023</a:t>
             </a:fld>
             <a:endParaRPr lang="en-US"/>
           </a:p>
@@ -1505,7 +1879,7 @@
           <a:p>
             <a:fld id="{C878B3E6-9FB3-4A1D-8FFE-D580B83AEEBC}" type="datetimeFigureOut">
               <a:rPr lang="en-US" smtClean="0"/>
-              <a:t>6/6/2023</a:t>
+              <a:t>6/7/2023</a:t>
             </a:fld>
             <a:endParaRPr lang="en-US"/>
           </a:p>
@@ -1703,7 +2077,7 @@
           <a:p>
             <a:fld id="{C878B3E6-9FB3-4A1D-8FFE-D580B83AEEBC}" type="datetimeFigureOut">
               <a:rPr lang="en-US" smtClean="0"/>
-              <a:t>6/6/2023</a:t>
+              <a:t>6/7/2023</a:t>
             </a:fld>
             <a:endParaRPr lang="en-US"/>
           </a:p>
@@ -1978,7 +2352,7 @@
           <a:p>
             <a:fld id="{C878B3E6-9FB3-4A1D-8FFE-D580B83AEEBC}" type="datetimeFigureOut">
               <a:rPr lang="en-US" smtClean="0"/>
-              <a:t>6/6/2023</a:t>
+              <a:t>6/7/2023</a:t>
             </a:fld>
             <a:endParaRPr lang="en-US"/>
           </a:p>
@@ -2243,7 +2617,7 @@
           <a:p>
             <a:fld id="{C878B3E6-9FB3-4A1D-8FFE-D580B83AEEBC}" type="datetimeFigureOut">
               <a:rPr lang="en-US" smtClean="0"/>
-              <a:t>6/6/2023</a:t>
+              <a:t>6/7/2023</a:t>
             </a:fld>
             <a:endParaRPr lang="en-US"/>
           </a:p>
@@ -2655,7 +3029,7 @@
           <a:p>
             <a:fld id="{C878B3E6-9FB3-4A1D-8FFE-D580B83AEEBC}" type="datetimeFigureOut">
               <a:rPr lang="en-US" smtClean="0"/>
-              <a:t>6/6/2023</a:t>
+              <a:t>6/7/2023</a:t>
             </a:fld>
             <a:endParaRPr lang="en-US"/>
           </a:p>
@@ -2796,7 +3170,7 @@
           <a:p>
             <a:fld id="{C878B3E6-9FB3-4A1D-8FFE-D580B83AEEBC}" type="datetimeFigureOut">
               <a:rPr lang="en-US" smtClean="0"/>
-              <a:t>6/6/2023</a:t>
+              <a:t>6/7/2023</a:t>
             </a:fld>
             <a:endParaRPr lang="en-US"/>
           </a:p>
@@ -2909,7 +3283,7 @@
           <a:p>
             <a:fld id="{C878B3E6-9FB3-4A1D-8FFE-D580B83AEEBC}" type="datetimeFigureOut">
               <a:rPr lang="en-US" smtClean="0"/>
-              <a:t>6/6/2023</a:t>
+              <a:t>6/7/2023</a:t>
             </a:fld>
             <a:endParaRPr lang="en-US"/>
           </a:p>
@@ -3220,7 +3594,7 @@
           <a:p>
             <a:fld id="{C878B3E6-9FB3-4A1D-8FFE-D580B83AEEBC}" type="datetimeFigureOut">
               <a:rPr lang="en-US" smtClean="0"/>
-              <a:t>6/6/2023</a:t>
+              <a:t>6/7/2023</a:t>
             </a:fld>
             <a:endParaRPr lang="en-US"/>
           </a:p>
@@ -3508,7 +3882,7 @@
           <a:p>
             <a:fld id="{C878B3E6-9FB3-4A1D-8FFE-D580B83AEEBC}" type="datetimeFigureOut">
               <a:rPr lang="en-US" smtClean="0"/>
-              <a:t>6/6/2023</a:t>
+              <a:t>6/7/2023</a:t>
             </a:fld>
             <a:endParaRPr lang="en-US"/>
           </a:p>
@@ -3749,7 +4123,7 @@
           <a:p>
             <a:fld id="{C878B3E6-9FB3-4A1D-8FFE-D580B83AEEBC}" type="datetimeFigureOut">
               <a:rPr lang="en-US" smtClean="0"/>
-              <a:t>6/6/2023</a:t>
+              <a:t>6/7/2023</a:t>
             </a:fld>
             <a:endParaRPr lang="en-US"/>
           </a:p>
@@ -5592,7 +5966,7 @@
                 <a:effectLst/>
                 <a:latin typeface="DengXian" panose="02010600030101010101" pitchFamily="2" charset="-122"/>
                 <a:ea typeface="DengXian" panose="02010600030101010101" pitchFamily="2" charset="-122"/>
-                <a:hlinkClick r:id="rId2"/>
+                <a:hlinkClick r:id="rId3"/>
               </a:rPr>
               <a:t>華爾街日報</a:t>
             </a:r>
@@ -5758,7 +6132,7 @@
           <p:nvPr/>
         </p:nvPicPr>
         <p:blipFill>
-          <a:blip r:embed="rId3">
+          <a:blip r:embed="rId4">
             <a:extLst>
               <a:ext uri="{28A0092B-C50C-407E-A947-70E740481C1C}">
                 <a14:useLocalDpi xmlns:a14="http://schemas.microsoft.com/office/drawing/2010/main" val="0"/>
@@ -6010,7 +6384,7 @@
                 <a:effectLst/>
                 <a:latin typeface="DengXian" panose="02010600030101010101" pitchFamily="2" charset="-122"/>
                 <a:ea typeface="DengXian" panose="02010600030101010101" pitchFamily="2" charset="-122"/>
-                <a:hlinkClick r:id="rId2"/>
+                <a:hlinkClick r:id="rId3"/>
               </a:rPr>
               <a:t>華爾街日報</a:t>
             </a:r>
